--- a/SE2022-G17-详细设计.pptx
+++ b/SE2022-G17-详细设计.pptx
@@ -16575,7 +16575,7 @@
                 <a:ea typeface="宋体" panose="02010600030101010101" pitchFamily="2" charset="-122"/>
                 <a:cs typeface="宋体" panose="02010600030101010101" pitchFamily="2" charset="-122"/>
               </a:rPr>
-              <a:t>20</a:t>
+              <a:t>27</a:t>
             </a:r>
             <a:r>
               <a:rPr lang="zh-CN" altLang="zh-CN" sz="1800" kern="0" dirty="0">
@@ -16898,7 +16898,46 @@
                 <a:ea typeface="宋体" panose="02010600030101010101" pitchFamily="2" charset="-122"/>
                 <a:cs typeface="宋体" panose="02010600030101010101" pitchFamily="2" charset="-122"/>
               </a:rPr>
-              <a:t>、会议就上周小组作业完成情况做总结，合理安排和调整任务分工。</a:t>
+              <a:t>、会议就上周小组作业完成情况做总结，</a:t>
+            </a:r>
+            <a:r>
+              <a:rPr lang="zh-CN" altLang="en-US" sz="1800" kern="0" dirty="0">
+                <a:solidFill>
+                  <a:srgbClr val="000000"/>
+                </a:solidFill>
+                <a:effectLst/>
+                <a:latin typeface="等线" panose="02010600030101010101" pitchFamily="2" charset="-122"/>
+                <a:ea typeface="宋体" panose="02010600030101010101" pitchFamily="2" charset="-122"/>
+                <a:cs typeface="宋体" panose="02010600030101010101" pitchFamily="2" charset="-122"/>
+                <a:sym typeface="+mn-ea"/>
+              </a:rPr>
+              <a:t>并更新了</a:t>
+            </a:r>
+            <a:r>
+              <a:rPr lang="en-US" altLang="zh-CN" sz="1800" kern="0" dirty="0">
+                <a:solidFill>
+                  <a:srgbClr val="000000"/>
+                </a:solidFill>
+                <a:effectLst/>
+                <a:latin typeface="等线" panose="02010600030101010101" pitchFamily="2" charset="-122"/>
+                <a:ea typeface="宋体" panose="02010600030101010101" pitchFamily="2" charset="-122"/>
+                <a:cs typeface="宋体" panose="02010600030101010101" pitchFamily="2" charset="-122"/>
+                <a:sym typeface="+mn-ea"/>
+              </a:rPr>
+              <a:t>gatt</a:t>
+            </a:r>
+            <a:r>
+              <a:rPr lang="zh-CN" altLang="en-US" sz="1800" kern="0" dirty="0">
+                <a:solidFill>
+                  <a:srgbClr val="000000"/>
+                </a:solidFill>
+                <a:effectLst/>
+                <a:latin typeface="等线" panose="02010600030101010101" pitchFamily="2" charset="-122"/>
+                <a:ea typeface="宋体" panose="02010600030101010101" pitchFamily="2" charset="-122"/>
+                <a:cs typeface="宋体" panose="02010600030101010101" pitchFamily="2" charset="-122"/>
+                <a:sym typeface="+mn-ea"/>
+              </a:rPr>
+              <a:t>图</a:t>
             </a:r>
             <a:endParaRPr lang="zh-CN" altLang="zh-CN" sz="1800" kern="100" dirty="0">
               <a:effectLst/>
@@ -16914,7 +16953,7 @@
               </a:lnSpc>
             </a:pPr>
             <a:r>
-              <a:rPr lang="en-US" altLang="zh-CN" sz="1800" kern="0" dirty="0">
+              <a:rPr lang="en-US" sz="1800" kern="0" dirty="0">
                 <a:solidFill>
                   <a:srgbClr val="000000"/>
                 </a:solidFill>
@@ -16926,46 +16965,25 @@
               <a:t>2</a:t>
             </a:r>
             <a:r>
-              <a:rPr lang="zh-CN" altLang="zh-CN" sz="1800" kern="0" dirty="0">
-                <a:solidFill>
-                  <a:srgbClr val="000000"/>
-                </a:solidFill>
-                <a:effectLst/>
-                <a:latin typeface="等线" panose="02010600030101010101" pitchFamily="2" charset="-122"/>
-                <a:ea typeface="宋体" panose="02010600030101010101" pitchFamily="2" charset="-122"/>
-                <a:cs typeface="宋体" panose="02010600030101010101" pitchFamily="2" charset="-122"/>
-              </a:rPr>
-              <a:t>、探讨</a:t>
-            </a:r>
-            <a:r>
               <a:rPr lang="zh-CN" altLang="en-US" sz="1800" kern="0" dirty="0">
                 <a:solidFill>
                   <a:srgbClr val="000000"/>
                 </a:solidFill>
                 <a:effectLst/>
-                <a:latin typeface="等线" panose="02010600030101010101" pitchFamily="2" charset="-122"/>
-                <a:ea typeface="宋体" panose="02010600030101010101" pitchFamily="2" charset="-122"/>
+                <a:latin typeface="宋体" panose="02010600030101010101" pitchFamily="2" charset="-122"/>
+                <a:ea typeface="等线" panose="02010600030101010101" pitchFamily="2" charset="-122"/>
                 <a:cs typeface="宋体" panose="02010600030101010101" pitchFamily="2" charset="-122"/>
               </a:rPr>
-              <a:t>学习</a:t>
+              <a:t>、对本次详细设计文件编写进行了分工</a:t>
             </a:r>
-            <a:r>
-              <a:rPr lang="zh-CN" altLang="zh-CN" sz="1800" kern="0" dirty="0">
-                <a:solidFill>
-                  <a:srgbClr val="000000"/>
-                </a:solidFill>
-                <a:effectLst/>
-                <a:latin typeface="等线" panose="02010600030101010101" pitchFamily="2" charset="-122"/>
-                <a:ea typeface="宋体" panose="02010600030101010101" pitchFamily="2" charset="-122"/>
-                <a:cs typeface="宋体" panose="02010600030101010101" pitchFamily="2" charset="-122"/>
-              </a:rPr>
-              <a:t>，对各自经验进行交流和总结。</a:t>
-            </a:r>
-            <a:endParaRPr lang="zh-CN" altLang="zh-CN" sz="1800" kern="100" dirty="0">
+            <a:endParaRPr lang="zh-CN" altLang="en-US" sz="1800" kern="0" dirty="0">
+              <a:solidFill>
+                <a:srgbClr val="000000"/>
+              </a:solidFill>
               <a:effectLst/>
-              <a:latin typeface="等线" panose="02010600030101010101" pitchFamily="2" charset="-122"/>
+              <a:latin typeface="宋体" panose="02010600030101010101" pitchFamily="2" charset="-122"/>
               <a:ea typeface="等线" panose="02010600030101010101" pitchFamily="2" charset="-122"/>
-              <a:cs typeface="Times New Roman" panose="02020603050405020304" pitchFamily="18" charset="0"/>
+              <a:cs typeface="宋体" panose="02010600030101010101" pitchFamily="2" charset="-122"/>
             </a:endParaRPr>
           </a:p>
           <a:p>
@@ -16985,43 +17003,6 @@
                 <a:cs typeface="宋体" panose="02010600030101010101" pitchFamily="2" charset="-122"/>
               </a:rPr>
               <a:t>3</a:t>
-            </a:r>
-            <a:r>
-              <a:rPr lang="zh-CN" altLang="zh-CN" sz="1800" kern="0" dirty="0">
-                <a:solidFill>
-                  <a:srgbClr val="000000"/>
-                </a:solidFill>
-                <a:effectLst/>
-                <a:latin typeface="等线" panose="02010600030101010101" pitchFamily="2" charset="-122"/>
-                <a:ea typeface="宋体" panose="02010600030101010101" pitchFamily="2" charset="-122"/>
-                <a:cs typeface="宋体" panose="02010600030101010101" pitchFamily="2" charset="-122"/>
-              </a:rPr>
-              <a:t>、要求每个人继续做好各自的工作。</a:t>
-            </a:r>
-            <a:endParaRPr lang="zh-CN" altLang="zh-CN" sz="1800" kern="100" dirty="0">
-              <a:effectLst/>
-              <a:latin typeface="等线" panose="02010600030101010101" pitchFamily="2" charset="-122"/>
-              <a:ea typeface="等线" panose="02010600030101010101" pitchFamily="2" charset="-122"/>
-              <a:cs typeface="Times New Roman" panose="02020603050405020304" pitchFamily="18" charset="0"/>
-            </a:endParaRPr>
-          </a:p>
-          <a:p>
-            <a:pPr indent="266700" algn="l">
-              <a:lnSpc>
-                <a:spcPts val="2250"/>
-              </a:lnSpc>
-            </a:pPr>
-            <a:r>
-              <a:rPr lang="en-US" altLang="zh-CN" sz="1800" kern="0" dirty="0">
-                <a:solidFill>
-                  <a:srgbClr val="000000"/>
-                </a:solidFill>
-                <a:effectLst/>
-                <a:latin typeface="宋体" panose="02010600030101010101" pitchFamily="2" charset="-122"/>
-                <a:ea typeface="等线" panose="02010600030101010101" pitchFamily="2" charset="-122"/>
-                <a:cs typeface="宋体" panose="02010600030101010101" pitchFamily="2" charset="-122"/>
-              </a:rPr>
-              <a:t>4</a:t>
             </a:r>
             <a:r>
               <a:rPr lang="zh-CN" altLang="zh-CN" sz="1800" kern="0" dirty="0">
@@ -17120,11 +17101,11 @@
           <a:p>
             <a:r>
               <a:rPr lang="zh-CN" altLang="en-US" dirty="0"/>
-              <a:t>李时博：编写总体设计报告（</a:t>
+              <a:t>李时博：编写详细设计报告（</a:t>
             </a:r>
             <a:r>
               <a:rPr lang="en-US" altLang="zh-CN" dirty="0"/>
-              <a:t>93</a:t>
+              <a:t>92</a:t>
             </a:r>
             <a:r>
               <a:rPr lang="zh-CN" altLang="en-US" dirty="0"/>
@@ -17138,28 +17119,18 @@
           <a:p>
             <a:r>
               <a:rPr lang="zh-CN" altLang="en-US" dirty="0"/>
-              <a:t>秦思豪：制图并完善总体设计报告（</a:t>
+              <a:t>秦思豪：</a:t>
             </a:r>
             <a:r>
-              <a:rPr lang="en-US" altLang="zh-CN" dirty="0"/>
-              <a:t>91</a:t>
+              <a:rPr lang="zh-CN" altLang="en-US" dirty="0">
+                <a:sym typeface="+mn-ea"/>
+              </a:rPr>
+              <a:t>制作详细设计</a:t>
             </a:r>
             <a:r>
-              <a:rPr lang="zh-CN" altLang="en-US" dirty="0"/>
-              <a:t>）</a:t>
-            </a:r>
-            <a:endParaRPr lang="en-US" altLang="zh-CN" dirty="0"/>
-          </a:p>
-          <a:p>
-            <a:endParaRPr lang="en-US" altLang="zh-CN" dirty="0"/>
-          </a:p>
-          <a:p>
-            <a:r>
-              <a:rPr lang="zh-CN" altLang="en-US" dirty="0"/>
-              <a:t>范伟：制作总体设计</a:t>
-            </a:r>
-            <a:r>
-              <a:rPr lang="en-US" altLang="zh-CN" dirty="0"/>
+              <a:rPr lang="en-US" altLang="zh-CN" dirty="0">
+                <a:sym typeface="+mn-ea"/>
+              </a:rPr>
               <a:t>ppt</a:t>
             </a:r>
             <a:r>
@@ -17174,7 +17145,37 @@
               <a:rPr lang="zh-CN" altLang="en-US" dirty="0"/>
               <a:t>）</a:t>
             </a:r>
-            <a:endParaRPr lang="zh-CN" altLang="en-US" dirty="0"/>
+            <a:endParaRPr lang="en-US" altLang="zh-CN" dirty="0"/>
+          </a:p>
+          <a:p>
+            <a:endParaRPr lang="en-US" altLang="zh-CN" dirty="0"/>
+          </a:p>
+          <a:p>
+            <a:r>
+              <a:rPr lang="zh-CN" altLang="en-US" dirty="0"/>
+              <a:t>范伟：</a:t>
+            </a:r>
+            <a:r>
+              <a:rPr lang="zh-CN" altLang="en-US" dirty="0">
+                <a:sym typeface="+mn-ea"/>
+              </a:rPr>
+              <a:t>制图并完善详细设计报告</a:t>
+            </a:r>
+            <a:r>
+              <a:rPr lang="zh-CN" altLang="en-US" dirty="0"/>
+              <a:t>（</a:t>
+            </a:r>
+            <a:r>
+              <a:rPr lang="en-US" altLang="zh-CN" dirty="0"/>
+              <a:t>91</a:t>
+            </a:r>
+            <a:r>
+              <a:rPr lang="zh-CN" altLang="en-US" dirty="0"/>
+              <a:t>）</a:t>
+            </a:r>
+            <a:endParaRPr lang="zh-CN" altLang="en-US" dirty="0">
+              <a:sym typeface="+mn-ea"/>
+            </a:endParaRPr>
           </a:p>
         </p:txBody>
       </p:sp>
@@ -17991,7 +17992,7 @@
       </p:sp>
       <p:pic>
         <p:nvPicPr>
-          <p:cNvPr id="-2147482621" name="内容占位符 -2147482622" descr="f60ffcbd352debc40574afeb85acbb0"/>
+          <p:cNvPr id="2" name="内容占位符 -2147482622" descr="f60ffcbd352debc40574afeb85acbb0"/>
           <p:cNvPicPr>
             <a:picLocks noChangeAspect="1"/>
           </p:cNvPicPr>
@@ -18061,7 +18062,7 @@
       </p:sp>
       <p:pic>
         <p:nvPicPr>
-          <p:cNvPr id="-2147482620" name="内容占位符 -2147482621" descr="2e183f935c08e9546fa1213189fb8c4"/>
+          <p:cNvPr id="2" name="内容占位符 -2147482621" descr="2e183f935c08e9546fa1213189fb8c4"/>
           <p:cNvPicPr>
             <a:picLocks noChangeAspect="1"/>
           </p:cNvPicPr>
@@ -18134,7 +18135,7 @@
       </p:sp>
       <p:pic>
         <p:nvPicPr>
-          <p:cNvPr id="-2147482619" name="内容占位符 -2147482620" descr="dbc58d8a06b5606cd2f7e54bc9849af"/>
+          <p:cNvPr id="2" name="内容占位符 -2147482620" descr="dbc58d8a06b5606cd2f7e54bc9849af"/>
           <p:cNvPicPr>
             <a:picLocks noChangeAspect="1"/>
           </p:cNvPicPr>
